--- a/resources/Presentation.pptx
+++ b/resources/Presentation.pptx
@@ -2,7 +2,7 @@
 <file path=ppt/presentation.xml><?xml version="1.0" encoding="utf-8"?>
 <p:presentation xmlns:a="http://schemas.openxmlformats.org/drawingml/2006/main" xmlns:r="http://schemas.openxmlformats.org/officeDocument/2006/relationships" xmlns:p="http://schemas.openxmlformats.org/presentationml/2006/main" saveSubsetFonts="1" autoCompressPictures="0">
   <p:sldMasterIdLst>
-    <p:sldMasterId id="2147483648" r:id="rId1"/>
+    <p:sldMasterId id="2147483660" r:id="rId1"/>
   </p:sldMasterIdLst>
   <p:sldIdLst>
     <p:sldId id="256" r:id="rId2"/>
@@ -339,7 +339,7 @@
     </p:spTree>
     <p:extLst>
       <p:ext uri="{BB962C8B-B14F-4D97-AF65-F5344CB8AC3E}">
-        <p14:creationId xmlns:p14="http://schemas.microsoft.com/office/powerpoint/2010/main" val="1937707064"/>
+        <p14:creationId xmlns:p14="http://schemas.microsoft.com/office/powerpoint/2010/main" val="2702019936"/>
       </p:ext>
     </p:extLst>
   </p:cSld>
@@ -509,7 +509,7 @@
     </p:spTree>
     <p:extLst>
       <p:ext uri="{BB962C8B-B14F-4D97-AF65-F5344CB8AC3E}">
-        <p14:creationId xmlns:p14="http://schemas.microsoft.com/office/powerpoint/2010/main" val="29656369"/>
+        <p14:creationId xmlns:p14="http://schemas.microsoft.com/office/powerpoint/2010/main" val="2949498235"/>
       </p:ext>
     </p:extLst>
   </p:cSld>
@@ -689,7 +689,7 @@
     </p:spTree>
     <p:extLst>
       <p:ext uri="{BB962C8B-B14F-4D97-AF65-F5344CB8AC3E}">
-        <p14:creationId xmlns:p14="http://schemas.microsoft.com/office/powerpoint/2010/main" val="3733450681"/>
+        <p14:creationId xmlns:p14="http://schemas.microsoft.com/office/powerpoint/2010/main" val="1427941222"/>
       </p:ext>
     </p:extLst>
   </p:cSld>
@@ -859,7 +859,7 @@
     </p:spTree>
     <p:extLst>
       <p:ext uri="{BB962C8B-B14F-4D97-AF65-F5344CB8AC3E}">
-        <p14:creationId xmlns:p14="http://schemas.microsoft.com/office/powerpoint/2010/main" val="2226688972"/>
+        <p14:creationId xmlns:p14="http://schemas.microsoft.com/office/powerpoint/2010/main" val="2275933374"/>
       </p:ext>
     </p:extLst>
   </p:cSld>
@@ -1105,7 +1105,7 @@
     </p:spTree>
     <p:extLst>
       <p:ext uri="{BB962C8B-B14F-4D97-AF65-F5344CB8AC3E}">
-        <p14:creationId xmlns:p14="http://schemas.microsoft.com/office/powerpoint/2010/main" val="2635213446"/>
+        <p14:creationId xmlns:p14="http://schemas.microsoft.com/office/powerpoint/2010/main" val="1798952600"/>
       </p:ext>
     </p:extLst>
   </p:cSld>
@@ -1393,7 +1393,7 @@
     </p:spTree>
     <p:extLst>
       <p:ext uri="{BB962C8B-B14F-4D97-AF65-F5344CB8AC3E}">
-        <p14:creationId xmlns:p14="http://schemas.microsoft.com/office/powerpoint/2010/main" val="516793774"/>
+        <p14:creationId xmlns:p14="http://schemas.microsoft.com/office/powerpoint/2010/main" val="1034301619"/>
       </p:ext>
     </p:extLst>
   </p:cSld>
@@ -1815,7 +1815,7 @@
     </p:spTree>
     <p:extLst>
       <p:ext uri="{BB962C8B-B14F-4D97-AF65-F5344CB8AC3E}">
-        <p14:creationId xmlns:p14="http://schemas.microsoft.com/office/powerpoint/2010/main" val="1644961393"/>
+        <p14:creationId xmlns:p14="http://schemas.microsoft.com/office/powerpoint/2010/main" val="1417940929"/>
       </p:ext>
     </p:extLst>
   </p:cSld>
@@ -1933,7 +1933,7 @@
     </p:spTree>
     <p:extLst>
       <p:ext uri="{BB962C8B-B14F-4D97-AF65-F5344CB8AC3E}">
-        <p14:creationId xmlns:p14="http://schemas.microsoft.com/office/powerpoint/2010/main" val="3059051513"/>
+        <p14:creationId xmlns:p14="http://schemas.microsoft.com/office/powerpoint/2010/main" val="656067729"/>
       </p:ext>
     </p:extLst>
   </p:cSld>
@@ -2028,7 +2028,7 @@
     </p:spTree>
     <p:extLst>
       <p:ext uri="{BB962C8B-B14F-4D97-AF65-F5344CB8AC3E}">
-        <p14:creationId xmlns:p14="http://schemas.microsoft.com/office/powerpoint/2010/main" val="1959377193"/>
+        <p14:creationId xmlns:p14="http://schemas.microsoft.com/office/powerpoint/2010/main" val="1249128790"/>
       </p:ext>
     </p:extLst>
   </p:cSld>
@@ -2305,7 +2305,7 @@
     </p:spTree>
     <p:extLst>
       <p:ext uri="{BB962C8B-B14F-4D97-AF65-F5344CB8AC3E}">
-        <p14:creationId xmlns:p14="http://schemas.microsoft.com/office/powerpoint/2010/main" val="1961811472"/>
+        <p14:creationId xmlns:p14="http://schemas.microsoft.com/office/powerpoint/2010/main" val="2730116199"/>
       </p:ext>
     </p:extLst>
   </p:cSld>
@@ -2421,6 +2421,10 @@
             </a:lvl9pPr>
           </a:lstStyle>
           <a:p>
+            <a:r>
+              <a:rPr lang="en-US" smtClean="0"/>
+              <a:t>Drag picture to placeholder or click icon to add</a:t>
+            </a:r>
             <a:endParaRPr lang="en-US"/>
           </a:p>
         </p:txBody>
@@ -2558,7 +2562,7 @@
     </p:spTree>
     <p:extLst>
       <p:ext uri="{BB962C8B-B14F-4D97-AF65-F5344CB8AC3E}">
-        <p14:creationId xmlns:p14="http://schemas.microsoft.com/office/powerpoint/2010/main" val="3606973039"/>
+        <p14:creationId xmlns:p14="http://schemas.microsoft.com/office/powerpoint/2010/main" val="506574558"/>
       </p:ext>
     </p:extLst>
   </p:cSld>
@@ -2807,27 +2811,27 @@
     </p:spTree>
     <p:extLst>
       <p:ext uri="{BB962C8B-B14F-4D97-AF65-F5344CB8AC3E}">
-        <p14:creationId xmlns:p14="http://schemas.microsoft.com/office/powerpoint/2010/main" val="2042588602"/>
+        <p14:creationId xmlns:p14="http://schemas.microsoft.com/office/powerpoint/2010/main" val="2557711237"/>
       </p:ext>
     </p:extLst>
   </p:cSld>
-  <p:clrMap bg1="lt1" tx1="dk1" bg2="lt2" tx2="dk2" accent1="accent1" accent2="accent2" accent3="accent3" accent4="accent4" accent5="accent5" accent6="accent6" hlink="hlink" folHlink="folHlink"/>
+  <p:clrMap bg1="dk1" tx1="lt1" bg2="dk2" tx2="lt2" accent1="accent1" accent2="accent2" accent3="accent3" accent4="accent4" accent5="accent5" accent6="accent6" hlink="hlink" folHlink="folHlink"/>
   <p:sldLayoutIdLst>
-    <p:sldLayoutId id="2147483649" r:id="rId1"/>
-    <p:sldLayoutId id="2147483650" r:id="rId2"/>
-    <p:sldLayoutId id="2147483651" r:id="rId3"/>
-    <p:sldLayoutId id="2147483652" r:id="rId4"/>
-    <p:sldLayoutId id="2147483653" r:id="rId5"/>
-    <p:sldLayoutId id="2147483654" r:id="rId6"/>
-    <p:sldLayoutId id="2147483655" r:id="rId7"/>
-    <p:sldLayoutId id="2147483656" r:id="rId8"/>
-    <p:sldLayoutId id="2147483657" r:id="rId9"/>
-    <p:sldLayoutId id="2147483658" r:id="rId10"/>
-    <p:sldLayoutId id="2147483659" r:id="rId11"/>
+    <p:sldLayoutId id="2147483661" r:id="rId1"/>
+    <p:sldLayoutId id="2147483662" r:id="rId2"/>
+    <p:sldLayoutId id="2147483663" r:id="rId3"/>
+    <p:sldLayoutId id="2147483664" r:id="rId4"/>
+    <p:sldLayoutId id="2147483665" r:id="rId5"/>
+    <p:sldLayoutId id="2147483666" r:id="rId6"/>
+    <p:sldLayoutId id="2147483667" r:id="rId7"/>
+    <p:sldLayoutId id="2147483668" r:id="rId8"/>
+    <p:sldLayoutId id="2147483669" r:id="rId9"/>
+    <p:sldLayoutId id="2147483670" r:id="rId10"/>
+    <p:sldLayoutId id="2147483671" r:id="rId11"/>
   </p:sldLayoutIdLst>
   <p:txStyles>
     <p:titleStyle>
-      <a:lvl1pPr algn="ctr" defTabSz="457200" rtl="0" eaLnBrk="1" latinLnBrk="0" hangingPunct="1">
+      <a:lvl1pPr algn="ctr" defTabSz="914400" rtl="0" eaLnBrk="1" latinLnBrk="0" hangingPunct="1">
         <a:spcBef>
           <a:spcPct val="0"/>
         </a:spcBef>
@@ -2843,11 +2847,11 @@
       </a:lvl1pPr>
     </p:titleStyle>
     <p:bodyStyle>
-      <a:lvl1pPr marL="342900" indent="-342900" algn="l" defTabSz="457200" rtl="0" eaLnBrk="1" latinLnBrk="0" hangingPunct="1">
+      <a:lvl1pPr marL="342900" indent="-342900" algn="l" defTabSz="914400" rtl="0" eaLnBrk="1" latinLnBrk="0" hangingPunct="1">
         <a:spcBef>
           <a:spcPct val="20000"/>
         </a:spcBef>
-        <a:buFont typeface="Arial"/>
+        <a:buFont typeface="Arial" pitchFamily="34" charset="0"/>
         <a:buChar char="•"/>
         <a:defRPr sz="3200" kern="1200">
           <a:solidFill>
@@ -2858,11 +2862,11 @@
           <a:cs typeface="+mn-cs"/>
         </a:defRPr>
       </a:lvl1pPr>
-      <a:lvl2pPr marL="742950" indent="-285750" algn="l" defTabSz="457200" rtl="0" eaLnBrk="1" latinLnBrk="0" hangingPunct="1">
+      <a:lvl2pPr marL="742950" indent="-285750" algn="l" defTabSz="914400" rtl="0" eaLnBrk="1" latinLnBrk="0" hangingPunct="1">
         <a:spcBef>
           <a:spcPct val="20000"/>
         </a:spcBef>
-        <a:buFont typeface="Arial"/>
+        <a:buFont typeface="Arial" pitchFamily="34" charset="0"/>
         <a:buChar char="–"/>
         <a:defRPr sz="2800" kern="1200">
           <a:solidFill>
@@ -2873,11 +2877,11 @@
           <a:cs typeface="+mn-cs"/>
         </a:defRPr>
       </a:lvl2pPr>
-      <a:lvl3pPr marL="1143000" indent="-228600" algn="l" defTabSz="457200" rtl="0" eaLnBrk="1" latinLnBrk="0" hangingPunct="1">
+      <a:lvl3pPr marL="1143000" indent="-228600" algn="l" defTabSz="914400" rtl="0" eaLnBrk="1" latinLnBrk="0" hangingPunct="1">
         <a:spcBef>
           <a:spcPct val="20000"/>
         </a:spcBef>
-        <a:buFont typeface="Arial"/>
+        <a:buFont typeface="Arial" pitchFamily="34" charset="0"/>
         <a:buChar char="•"/>
         <a:defRPr sz="2400" kern="1200">
           <a:solidFill>
@@ -2888,11 +2892,11 @@
           <a:cs typeface="+mn-cs"/>
         </a:defRPr>
       </a:lvl3pPr>
-      <a:lvl4pPr marL="1600200" indent="-228600" algn="l" defTabSz="457200" rtl="0" eaLnBrk="1" latinLnBrk="0" hangingPunct="1">
+      <a:lvl4pPr marL="1600200" indent="-228600" algn="l" defTabSz="914400" rtl="0" eaLnBrk="1" latinLnBrk="0" hangingPunct="1">
         <a:spcBef>
           <a:spcPct val="20000"/>
         </a:spcBef>
-        <a:buFont typeface="Arial"/>
+        <a:buFont typeface="Arial" pitchFamily="34" charset="0"/>
         <a:buChar char="–"/>
         <a:defRPr sz="2000" kern="1200">
           <a:solidFill>
@@ -2903,11 +2907,11 @@
           <a:cs typeface="+mn-cs"/>
         </a:defRPr>
       </a:lvl4pPr>
-      <a:lvl5pPr marL="2057400" indent="-228600" algn="l" defTabSz="457200" rtl="0" eaLnBrk="1" latinLnBrk="0" hangingPunct="1">
+      <a:lvl5pPr marL="2057400" indent="-228600" algn="l" defTabSz="914400" rtl="0" eaLnBrk="1" latinLnBrk="0" hangingPunct="1">
         <a:spcBef>
           <a:spcPct val="20000"/>
         </a:spcBef>
-        <a:buFont typeface="Arial"/>
+        <a:buFont typeface="Arial" pitchFamily="34" charset="0"/>
         <a:buChar char="»"/>
         <a:defRPr sz="2000" kern="1200">
           <a:solidFill>
@@ -2918,11 +2922,11 @@
           <a:cs typeface="+mn-cs"/>
         </a:defRPr>
       </a:lvl5pPr>
-      <a:lvl6pPr marL="2514600" indent="-228600" algn="l" defTabSz="457200" rtl="0" eaLnBrk="1" latinLnBrk="0" hangingPunct="1">
+      <a:lvl6pPr marL="2514600" indent="-228600" algn="l" defTabSz="914400" rtl="0" eaLnBrk="1" latinLnBrk="0" hangingPunct="1">
         <a:spcBef>
           <a:spcPct val="20000"/>
         </a:spcBef>
-        <a:buFont typeface="Arial"/>
+        <a:buFont typeface="Arial" pitchFamily="34" charset="0"/>
         <a:buChar char="•"/>
         <a:defRPr sz="2000" kern="1200">
           <a:solidFill>
@@ -2933,11 +2937,11 @@
           <a:cs typeface="+mn-cs"/>
         </a:defRPr>
       </a:lvl6pPr>
-      <a:lvl7pPr marL="2971800" indent="-228600" algn="l" defTabSz="457200" rtl="0" eaLnBrk="1" latinLnBrk="0" hangingPunct="1">
+      <a:lvl7pPr marL="2971800" indent="-228600" algn="l" defTabSz="914400" rtl="0" eaLnBrk="1" latinLnBrk="0" hangingPunct="1">
         <a:spcBef>
           <a:spcPct val="20000"/>
         </a:spcBef>
-        <a:buFont typeface="Arial"/>
+        <a:buFont typeface="Arial" pitchFamily="34" charset="0"/>
         <a:buChar char="•"/>
         <a:defRPr sz="2000" kern="1200">
           <a:solidFill>
@@ -2948,11 +2952,11 @@
           <a:cs typeface="+mn-cs"/>
         </a:defRPr>
       </a:lvl7pPr>
-      <a:lvl8pPr marL="3429000" indent="-228600" algn="l" defTabSz="457200" rtl="0" eaLnBrk="1" latinLnBrk="0" hangingPunct="1">
+      <a:lvl8pPr marL="3429000" indent="-228600" algn="l" defTabSz="914400" rtl="0" eaLnBrk="1" latinLnBrk="0" hangingPunct="1">
         <a:spcBef>
           <a:spcPct val="20000"/>
         </a:spcBef>
-        <a:buFont typeface="Arial"/>
+        <a:buFont typeface="Arial" pitchFamily="34" charset="0"/>
         <a:buChar char="•"/>
         <a:defRPr sz="2000" kern="1200">
           <a:solidFill>
@@ -2963,11 +2967,11 @@
           <a:cs typeface="+mn-cs"/>
         </a:defRPr>
       </a:lvl8pPr>
-      <a:lvl9pPr marL="3886200" indent="-228600" algn="l" defTabSz="457200" rtl="0" eaLnBrk="1" latinLnBrk="0" hangingPunct="1">
+      <a:lvl9pPr marL="3886200" indent="-228600" algn="l" defTabSz="914400" rtl="0" eaLnBrk="1" latinLnBrk="0" hangingPunct="1">
         <a:spcBef>
           <a:spcPct val="20000"/>
         </a:spcBef>
-        <a:buFont typeface="Arial"/>
+        <a:buFont typeface="Arial" pitchFamily="34" charset="0"/>
         <a:buChar char="•"/>
         <a:defRPr sz="2000" kern="1200">
           <a:solidFill>
@@ -2983,7 +2987,7 @@
       <a:defPPr>
         <a:defRPr lang="en-US"/>
       </a:defPPr>
-      <a:lvl1pPr marL="0" algn="l" defTabSz="457200" rtl="0" eaLnBrk="1" latinLnBrk="0" hangingPunct="1">
+      <a:lvl1pPr marL="0" algn="l" defTabSz="914400" rtl="0" eaLnBrk="1" latinLnBrk="0" hangingPunct="1">
         <a:defRPr sz="1800" kern="1200">
           <a:solidFill>
             <a:schemeClr val="tx1"/>
@@ -2993,7 +2997,7 @@
           <a:cs typeface="+mn-cs"/>
         </a:defRPr>
       </a:lvl1pPr>
-      <a:lvl2pPr marL="457200" algn="l" defTabSz="457200" rtl="0" eaLnBrk="1" latinLnBrk="0" hangingPunct="1">
+      <a:lvl2pPr marL="457200" algn="l" defTabSz="914400" rtl="0" eaLnBrk="1" latinLnBrk="0" hangingPunct="1">
         <a:defRPr sz="1800" kern="1200">
           <a:solidFill>
             <a:schemeClr val="tx1"/>
@@ -3003,7 +3007,7 @@
           <a:cs typeface="+mn-cs"/>
         </a:defRPr>
       </a:lvl2pPr>
-      <a:lvl3pPr marL="914400" algn="l" defTabSz="457200" rtl="0" eaLnBrk="1" latinLnBrk="0" hangingPunct="1">
+      <a:lvl3pPr marL="914400" algn="l" defTabSz="914400" rtl="0" eaLnBrk="1" latinLnBrk="0" hangingPunct="1">
         <a:defRPr sz="1800" kern="1200">
           <a:solidFill>
             <a:schemeClr val="tx1"/>
@@ -3013,7 +3017,7 @@
           <a:cs typeface="+mn-cs"/>
         </a:defRPr>
       </a:lvl3pPr>
-      <a:lvl4pPr marL="1371600" algn="l" defTabSz="457200" rtl="0" eaLnBrk="1" latinLnBrk="0" hangingPunct="1">
+      <a:lvl4pPr marL="1371600" algn="l" defTabSz="914400" rtl="0" eaLnBrk="1" latinLnBrk="0" hangingPunct="1">
         <a:defRPr sz="1800" kern="1200">
           <a:solidFill>
             <a:schemeClr val="tx1"/>
@@ -3023,7 +3027,7 @@
           <a:cs typeface="+mn-cs"/>
         </a:defRPr>
       </a:lvl4pPr>
-      <a:lvl5pPr marL="1828800" algn="l" defTabSz="457200" rtl="0" eaLnBrk="1" latinLnBrk="0" hangingPunct="1">
+      <a:lvl5pPr marL="1828800" algn="l" defTabSz="914400" rtl="0" eaLnBrk="1" latinLnBrk="0" hangingPunct="1">
         <a:defRPr sz="1800" kern="1200">
           <a:solidFill>
             <a:schemeClr val="tx1"/>
@@ -3033,7 +3037,7 @@
           <a:cs typeface="+mn-cs"/>
         </a:defRPr>
       </a:lvl5pPr>
-      <a:lvl6pPr marL="2286000" algn="l" defTabSz="457200" rtl="0" eaLnBrk="1" latinLnBrk="0" hangingPunct="1">
+      <a:lvl6pPr marL="2286000" algn="l" defTabSz="914400" rtl="0" eaLnBrk="1" latinLnBrk="0" hangingPunct="1">
         <a:defRPr sz="1800" kern="1200">
           <a:solidFill>
             <a:schemeClr val="tx1"/>
@@ -3043,7 +3047,7 @@
           <a:cs typeface="+mn-cs"/>
         </a:defRPr>
       </a:lvl6pPr>
-      <a:lvl7pPr marL="2743200" algn="l" defTabSz="457200" rtl="0" eaLnBrk="1" latinLnBrk="0" hangingPunct="1">
+      <a:lvl7pPr marL="2743200" algn="l" defTabSz="914400" rtl="0" eaLnBrk="1" latinLnBrk="0" hangingPunct="1">
         <a:defRPr sz="1800" kern="1200">
           <a:solidFill>
             <a:schemeClr val="tx1"/>
@@ -3053,7 +3057,7 @@
           <a:cs typeface="+mn-cs"/>
         </a:defRPr>
       </a:lvl7pPr>
-      <a:lvl8pPr marL="3200400" algn="l" defTabSz="457200" rtl="0" eaLnBrk="1" latinLnBrk="0" hangingPunct="1">
+      <a:lvl8pPr marL="3200400" algn="l" defTabSz="914400" rtl="0" eaLnBrk="1" latinLnBrk="0" hangingPunct="1">
         <a:defRPr sz="1800" kern="1200">
           <a:solidFill>
             <a:schemeClr val="tx1"/>
@@ -3063,7 +3067,7 @@
           <a:cs typeface="+mn-cs"/>
         </a:defRPr>
       </a:lvl8pPr>
-      <a:lvl9pPr marL="3657600" algn="l" defTabSz="457200" rtl="0" eaLnBrk="1" latinLnBrk="0" hangingPunct="1">
+      <a:lvl9pPr marL="3657600" algn="l" defTabSz="914400" rtl="0" eaLnBrk="1" latinLnBrk="0" hangingPunct="1">
         <a:defRPr sz="1800" kern="1200">
           <a:solidFill>
             <a:schemeClr val="tx1"/>
@@ -3095,6 +3099,51 @@
           <a:chExt cx="0" cy="0"/>
         </a:xfrm>
       </p:grpSpPr>
+      <p:sp>
+        <p:nvSpPr>
+          <p:cNvPr id="20" name="Donut 19"/>
+          <p:cNvSpPr/>
+          <p:nvPr/>
+        </p:nvSpPr>
+        <p:spPr>
+          <a:xfrm>
+            <a:off x="966895" y="823953"/>
+            <a:ext cx="6970292" cy="4857343"/>
+          </a:xfrm>
+          <a:prstGeom prst="donut">
+            <a:avLst>
+              <a:gd name="adj" fmla="val 3529"/>
+            </a:avLst>
+          </a:prstGeom>
+          <a:solidFill>
+            <a:srgbClr val="1A4551"/>
+          </a:solidFill>
+          <a:ln>
+            <a:noFill/>
+          </a:ln>
+        </p:spPr>
+        <p:style>
+          <a:lnRef idx="1">
+            <a:schemeClr val="accent1"/>
+          </a:lnRef>
+          <a:fillRef idx="3">
+            <a:schemeClr val="accent1"/>
+          </a:fillRef>
+          <a:effectRef idx="2">
+            <a:schemeClr val="accent1"/>
+          </a:effectRef>
+          <a:fontRef idx="minor">
+            <a:schemeClr val="lt1"/>
+          </a:fontRef>
+        </p:style>
+        <p:txBody>
+          <a:bodyPr/>
+          <a:lstStyle/>
+          <a:p>
+            <a:endParaRPr lang="en-US"/>
+          </a:p>
+        </p:txBody>
+      </p:sp>
       <p:grpSp>
         <p:nvGrpSpPr>
           <p:cNvPr id="15" name="Group 14"/>
@@ -3172,18 +3221,14 @@
               <a:r>
                 <a:rPr lang="en-US" sz="2800" dirty="0" smtClean="0">
                   <a:solidFill>
-                    <a:schemeClr val="bg1">
-                      <a:lumMod val="85000"/>
-                    </a:schemeClr>
+                    <a:srgbClr val="D9D9D9"/>
                   </a:solidFill>
                 </a:rPr>
                 <a:t>CONNECTIVITY</a:t>
               </a:r>
               <a:endParaRPr lang="en-US" sz="2800" dirty="0">
                 <a:solidFill>
-                  <a:schemeClr val="bg1">
-                    <a:lumMod val="85000"/>
-                  </a:schemeClr>
+                  <a:srgbClr val="D9D9D9"/>
                 </a:solidFill>
               </a:endParaRPr>
             </a:p>
@@ -3267,18 +3312,14 @@
               <a:r>
                 <a:rPr lang="en-US" sz="2800" dirty="0" smtClean="0">
                   <a:solidFill>
-                    <a:schemeClr val="bg1">
-                      <a:lumMod val="85000"/>
-                    </a:schemeClr>
+                    <a:srgbClr val="D9D9D9"/>
                   </a:solidFill>
                 </a:rPr>
                 <a:t>MOBILITY</a:t>
               </a:r>
               <a:endParaRPr lang="en-US" sz="2800" dirty="0">
                 <a:solidFill>
-                  <a:schemeClr val="bg1">
-                    <a:lumMod val="85000"/>
-                  </a:schemeClr>
+                  <a:srgbClr val="D9D9D9"/>
                 </a:solidFill>
               </a:endParaRPr>
             </a:p>
@@ -3362,18 +3403,14 @@
               <a:r>
                 <a:rPr lang="en-US" sz="2800" dirty="0" smtClean="0">
                   <a:solidFill>
-                    <a:schemeClr val="bg1">
-                      <a:lumMod val="85000"/>
-                    </a:schemeClr>
+                    <a:srgbClr val="D9D9D9"/>
                   </a:solidFill>
                 </a:rPr>
                 <a:t>SAFETY</a:t>
               </a:r>
               <a:endParaRPr lang="en-US" sz="2800" dirty="0">
                 <a:solidFill>
-                  <a:schemeClr val="bg1">
-                    <a:lumMod val="85000"/>
-                  </a:schemeClr>
+                  <a:srgbClr val="D9D9D9"/>
                 </a:solidFill>
               </a:endParaRPr>
             </a:p>
@@ -3457,18 +3494,14 @@
               <a:r>
                 <a:rPr lang="en-US" sz="2800" dirty="0" smtClean="0">
                   <a:solidFill>
-                    <a:schemeClr val="bg1">
-                      <a:lumMod val="85000"/>
-                    </a:schemeClr>
+                    <a:srgbClr val="D9D9D9"/>
                   </a:solidFill>
                 </a:rPr>
                 <a:t>SUSTAINABILITY</a:t>
               </a:r>
               <a:endParaRPr lang="en-US" sz="2800" dirty="0">
                 <a:solidFill>
-                  <a:schemeClr val="bg1">
-                    <a:lumMod val="85000"/>
-                  </a:schemeClr>
+                  <a:srgbClr val="D9D9D9"/>
                 </a:solidFill>
               </a:endParaRPr>
             </a:p>
@@ -3483,7 +3516,7 @@
         </p:nvSpPr>
         <p:spPr>
           <a:xfrm>
-            <a:off x="3482923" y="4213467"/>
+            <a:off x="3555078" y="3939297"/>
             <a:ext cx="1849852" cy="523220"/>
           </a:xfrm>
           <a:prstGeom prst="rect">
@@ -3501,18 +3534,14 @@
             <a:r>
               <a:rPr lang="en-US" sz="2800" dirty="0" smtClean="0">
                 <a:solidFill>
-                  <a:schemeClr val="bg1">
-                    <a:lumMod val="85000"/>
-                  </a:schemeClr>
+                  <a:srgbClr val="D9D9D9"/>
                 </a:solidFill>
               </a:rPr>
               <a:t>CITIZEN</a:t>
             </a:r>
             <a:endParaRPr lang="en-US" sz="2800" dirty="0">
               <a:solidFill>
-                <a:schemeClr val="bg1">
-                  <a:lumMod val="85000"/>
-                </a:schemeClr>
+                <a:srgbClr val="D9D9D9"/>
               </a:solidFill>
             </a:endParaRPr>
           </a:p>
@@ -3520,7 +3549,7 @@
       </p:sp>
       <p:pic>
         <p:nvPicPr>
-          <p:cNvPr id="21" name="Picture 20" descr="people.png"/>
+          <p:cNvPr id="9" name="Picture 8" descr="citizen2.png"/>
           <p:cNvPicPr>
             <a:picLocks noChangeAspect="1"/>
           </p:cNvPicPr>
@@ -3536,15 +3565,6 @@
               <a:prstClr val="white"/>
             </a:duotone>
             <a:extLst>
-              <a:ext uri="{BEBA8EAE-BF5A-486C-A8C5-ECC9F3942E4B}">
-                <a14:imgProps xmlns:a14="http://schemas.microsoft.com/office/drawing/2010/main">
-                  <a14:imgLayer r:embed="rId7">
-                    <a14:imgEffect>
-                      <a14:brightnessContrast bright="37000"/>
-                    </a14:imgEffect>
-                  </a14:imgLayer>
-                </a14:imgProps>
-              </a:ext>
               <a:ext uri="{28A0092B-C50C-407E-A947-70E740481C1C}">
                 <a14:useLocalDpi xmlns:a14="http://schemas.microsoft.com/office/drawing/2010/main" val="0"/>
               </a:ext>
@@ -3556,14 +3576,53 @@
         </p:blipFill>
         <p:spPr>
           <a:xfrm>
-            <a:off x="3633518" y="2679469"/>
-            <a:ext cx="1533998" cy="1533998"/>
+            <a:off x="3003615" y="2309514"/>
+            <a:ext cx="2930122" cy="1692959"/>
           </a:xfrm>
           <a:prstGeom prst="rect">
             <a:avLst/>
           </a:prstGeom>
         </p:spPr>
       </p:pic>
+      <p:sp>
+        <p:nvSpPr>
+          <p:cNvPr id="22" name="TextBox 21"/>
+          <p:cNvSpPr txBox="1"/>
+          <p:nvPr/>
+        </p:nvSpPr>
+        <p:spPr>
+          <a:xfrm>
+            <a:off x="3555078" y="336932"/>
+            <a:ext cx="1849852" cy="523220"/>
+          </a:xfrm>
+          <a:prstGeom prst="rect">
+            <a:avLst/>
+          </a:prstGeom>
+          <a:noFill/>
+        </p:spPr>
+        <p:txBody>
+          <a:bodyPr wrap="square" rtlCol="0">
+            <a:spAutoFit/>
+          </a:bodyPr>
+          <a:lstStyle/>
+          <a:p>
+            <a:pPr algn="ctr"/>
+            <a:r>
+              <a:rPr lang="en-US" sz="2800" dirty="0" smtClean="0">
+                <a:solidFill>
+                  <a:srgbClr val="D9D9D9"/>
+                </a:solidFill>
+              </a:rPr>
+              <a:t>DATA</a:t>
+            </a:r>
+            <a:endParaRPr lang="en-US" sz="2800" dirty="0">
+              <a:solidFill>
+                <a:srgbClr val="D9D9D9"/>
+              </a:solidFill>
+            </a:endParaRPr>
+          </a:p>
+        </p:txBody>
+      </p:sp>
     </p:spTree>
     <p:extLst>
       <p:ext uri="{BB962C8B-B14F-4D97-AF65-F5344CB8AC3E}">
@@ -3578,7 +3637,7 @@
 </file>
 
 <file path=ppt/theme/theme1.xml><?xml version="1.0" encoding="utf-8"?>
-<a:theme xmlns:a="http://schemas.openxmlformats.org/drawingml/2006/main" name="Office Theme">
+<a:theme xmlns:a="http://schemas.openxmlformats.org/drawingml/2006/main" name="Black">
   <a:themeElements>
     <a:clrScheme name="Office">
       <a:dk1>
@@ -3722,16 +3781,20 @@
           <a:gsLst>
             <a:gs pos="0">
               <a:schemeClr val="phClr">
-                <a:tint val="100000"/>
-                <a:shade val="100000"/>
+                <a:shade val="51000"/>
+                <a:satMod val="130000"/>
+              </a:schemeClr>
+            </a:gs>
+            <a:gs pos="80000">
+              <a:schemeClr val="phClr">
+                <a:shade val="93000"/>
                 <a:satMod val="130000"/>
               </a:schemeClr>
             </a:gs>
             <a:gs pos="100000">
               <a:schemeClr val="phClr">
-                <a:tint val="50000"/>
-                <a:shade val="100000"/>
-                <a:satMod val="350000"/>
+                <a:shade val="94000"/>
+                <a:satMod val="135000"/>
               </a:schemeClr>
             </a:gs>
           </a:gsLst>
@@ -3853,46 +3916,7 @@
       </a:bgFillStyleLst>
     </a:fmtScheme>
   </a:themeElements>
-  <a:objectDefaults>
-    <a:spDef>
-      <a:spPr/>
-      <a:bodyPr/>
-      <a:lstStyle/>
-      <a:style>
-        <a:lnRef idx="1">
-          <a:schemeClr val="accent1"/>
-        </a:lnRef>
-        <a:fillRef idx="3">
-          <a:schemeClr val="accent1"/>
-        </a:fillRef>
-        <a:effectRef idx="2">
-          <a:schemeClr val="accent1"/>
-        </a:effectRef>
-        <a:fontRef idx="minor">
-          <a:schemeClr val="lt1"/>
-        </a:fontRef>
-      </a:style>
-    </a:spDef>
-    <a:lnDef>
-      <a:spPr/>
-      <a:bodyPr/>
-      <a:lstStyle/>
-      <a:style>
-        <a:lnRef idx="2">
-          <a:schemeClr val="accent1"/>
-        </a:lnRef>
-        <a:fillRef idx="0">
-          <a:schemeClr val="accent1"/>
-        </a:fillRef>
-        <a:effectRef idx="1">
-          <a:schemeClr val="accent1"/>
-        </a:effectRef>
-        <a:fontRef idx="minor">
-          <a:schemeClr val="tx1"/>
-        </a:fontRef>
-      </a:style>
-    </a:lnDef>
-  </a:objectDefaults>
+  <a:objectDefaults/>
   <a:extraClrSchemeLst/>
 </a:theme>
 </file>